--- a/DOCS/Day1-MorningUpdate.pptx
+++ b/DOCS/Day1-MorningUpdate.pptx
@@ -6,6 +6,7 @@
   </p:sldMasterIdLst>
   <p:sldIdLst>
     <p:sldId id="256" r:id="rId2"/>
+    <p:sldId id="259" r:id="rId3"/>
   </p:sldIdLst>
   <p:sldSz cx="12192000" cy="6858000"/>
   <p:notesSz cx="6858000" cy="9144000"/>
@@ -104,6 +105,11 @@
       </a:defRPr>
     </a:lvl9pPr>
   </p:defaultTextStyle>
+  <p:extLst>
+    <p:ext uri="{EFAFB233-063F-42B5-8137-9DF3F51BA10A}">
+      <p15:sldGuideLst xmlns:p15="http://schemas.microsoft.com/office/powerpoint/2012/main"/>
+    </p:ext>
+  </p:extLst>
 </p:presentation>
 </file>
 
@@ -6323,6 +6329,287 @@
 </p:sld>
 </file>
 
+<file path=ppt/slides/slide2.xml><?xml version="1.0" encoding="utf-8"?>
+<p:sld xmlns:a="http://schemas.openxmlformats.org/drawingml/2006/main" xmlns:r="http://schemas.openxmlformats.org/officeDocument/2006/relationships" xmlns:p="http://schemas.openxmlformats.org/presentationml/2006/main">
+  <p:cSld>
+    <p:spTree>
+      <p:nvGrpSpPr>
+        <p:cNvPr id="1" name=""/>
+        <p:cNvGrpSpPr/>
+        <p:nvPr/>
+      </p:nvGrpSpPr>
+      <p:grpSpPr>
+        <a:xfrm>
+          <a:off x="0" y="0"/>
+          <a:ext cx="0" cy="0"/>
+          <a:chOff x="0" y="0"/>
+          <a:chExt cx="0" cy="0"/>
+        </a:xfrm>
+      </p:grpSpPr>
+      <p:sp>
+        <p:nvSpPr>
+          <p:cNvPr id="4" name="Title 3">
+            <a:extLst>
+              <a:ext uri="{FF2B5EF4-FFF2-40B4-BE49-F238E27FC236}">
+                <a16:creationId xmlns:a16="http://schemas.microsoft.com/office/drawing/2014/main" id="{B887D42A-1456-4ACD-99E7-E3FED3945E7D}"/>
+              </a:ext>
+            </a:extLst>
+          </p:cNvPr>
+          <p:cNvSpPr>
+            <a:spLocks noGrp="1"/>
+          </p:cNvSpPr>
+          <p:nvPr>
+            <p:ph type="title"/>
+          </p:nvPr>
+        </p:nvSpPr>
+        <p:spPr/>
+        <p:txBody>
+          <a:bodyPr/>
+          <a:lstStyle/>
+          <a:p>
+            <a:pPr algn="ctr"/>
+            <a:r>
+              <a:rPr lang="en-US"/>
+              <a:t>Day1A-Team </a:t>
+            </a:r>
+            <a:r>
+              <a:rPr lang="en-US" dirty="0"/>
+              <a:t>3: Fastest Path</a:t>
+            </a:r>
+          </a:p>
+        </p:txBody>
+      </p:sp>
+      <p:sp>
+        <p:nvSpPr>
+          <p:cNvPr id="5" name="Text Placeholder 4">
+            <a:extLst>
+              <a:ext uri="{FF2B5EF4-FFF2-40B4-BE49-F238E27FC236}">
+                <a16:creationId xmlns:a16="http://schemas.microsoft.com/office/drawing/2014/main" id="{B565A8A3-1F5B-4154-B400-D632994AAE74}"/>
+              </a:ext>
+            </a:extLst>
+          </p:cNvPr>
+          <p:cNvSpPr>
+            <a:spLocks noGrp="1"/>
+          </p:cNvSpPr>
+          <p:nvPr>
+            <p:ph type="body" idx="1"/>
+          </p:nvPr>
+        </p:nvSpPr>
+        <p:spPr>
+          <a:xfrm>
+            <a:off x="305593" y="1905000"/>
+            <a:ext cx="4396338" cy="576262"/>
+          </a:xfrm>
+        </p:spPr>
+        <p:txBody>
+          <a:bodyPr/>
+          <a:lstStyle/>
+          <a:p>
+            <a:r>
+              <a:rPr lang="en-US" dirty="0"/>
+              <a:t>Front End</a:t>
+            </a:r>
+          </a:p>
+        </p:txBody>
+      </p:sp>
+      <p:sp>
+        <p:nvSpPr>
+          <p:cNvPr id="7" name="Text Placeholder 6">
+            <a:extLst>
+              <a:ext uri="{FF2B5EF4-FFF2-40B4-BE49-F238E27FC236}">
+                <a16:creationId xmlns:a16="http://schemas.microsoft.com/office/drawing/2014/main" id="{9CB91740-BC9E-4825-91D5-AC0AC5329574}"/>
+              </a:ext>
+            </a:extLst>
+          </p:cNvPr>
+          <p:cNvSpPr>
+            <a:spLocks noGrp="1"/>
+          </p:cNvSpPr>
+          <p:nvPr>
+            <p:ph type="body" sz="quarter" idx="3"/>
+          </p:nvPr>
+        </p:nvSpPr>
+        <p:spPr>
+          <a:xfrm>
+            <a:off x="6331354" y="1905000"/>
+            <a:ext cx="4396339" cy="576262"/>
+          </a:xfrm>
+        </p:spPr>
+        <p:txBody>
+          <a:bodyPr/>
+          <a:lstStyle/>
+          <a:p>
+            <a:r>
+              <a:rPr lang="en-US" dirty="0"/>
+              <a:t>Back End</a:t>
+            </a:r>
+          </a:p>
+        </p:txBody>
+      </p:sp>
+      <p:sp>
+        <p:nvSpPr>
+          <p:cNvPr id="11" name="TextBox 10">
+            <a:extLst>
+              <a:ext uri="{FF2B5EF4-FFF2-40B4-BE49-F238E27FC236}">
+                <a16:creationId xmlns:a16="http://schemas.microsoft.com/office/drawing/2014/main" id="{721082FA-B1D2-4FFB-8ED5-3D0B8D41DCC0}"/>
+              </a:ext>
+            </a:extLst>
+          </p:cNvPr>
+          <p:cNvSpPr txBox="1"/>
+          <p:nvPr/>
+        </p:nvSpPr>
+        <p:spPr>
+          <a:xfrm>
+            <a:off x="414216" y="6274752"/>
+            <a:ext cx="3967285" cy="369332"/>
+          </a:xfrm>
+          <a:prstGeom prst="rect">
+            <a:avLst/>
+          </a:prstGeom>
+          <a:noFill/>
+        </p:spPr>
+        <p:txBody>
+          <a:bodyPr wrap="square" rtlCol="0">
+            <a:spAutoFit/>
+          </a:bodyPr>
+          <a:lstStyle/>
+          <a:p>
+            <a:r>
+              <a:rPr lang="en-US" dirty="0"/>
+              <a:t>Fixing Drop down menu</a:t>
+            </a:r>
+          </a:p>
+        </p:txBody>
+      </p:sp>
+      <p:pic>
+        <p:nvPicPr>
+          <p:cNvPr id="6" name="Content Placeholder 5">
+            <a:extLst>
+              <a:ext uri="{FF2B5EF4-FFF2-40B4-BE49-F238E27FC236}">
+                <a16:creationId xmlns:a16="http://schemas.microsoft.com/office/drawing/2014/main" id="{8425F778-8E22-4D72-8F75-4BF3A51372B0}"/>
+              </a:ext>
+            </a:extLst>
+          </p:cNvPr>
+          <p:cNvPicPr>
+            <a:picLocks noGrp="1" noChangeAspect="1"/>
+          </p:cNvPicPr>
+          <p:nvPr>
+            <p:ph sz="half" idx="2"/>
+          </p:nvPr>
+        </p:nvPicPr>
+        <p:blipFill>
+          <a:blip r:embed="rId2"/>
+          <a:stretch>
+            <a:fillRect/>
+          </a:stretch>
+        </p:blipFill>
+        <p:spPr>
+          <a:xfrm>
+            <a:off x="305593" y="2523436"/>
+            <a:ext cx="4875455" cy="3514790"/>
+          </a:xfrm>
+          <a:prstGeom prst="rect">
+            <a:avLst/>
+          </a:prstGeom>
+        </p:spPr>
+      </p:pic>
+      <p:sp>
+        <p:nvSpPr>
+          <p:cNvPr id="10" name="Content Placeholder 9">
+            <a:extLst>
+              <a:ext uri="{FF2B5EF4-FFF2-40B4-BE49-F238E27FC236}">
+                <a16:creationId xmlns:a16="http://schemas.microsoft.com/office/drawing/2014/main" id="{5E2F8506-87E3-46DF-A93C-65FE2113A6EF}"/>
+              </a:ext>
+            </a:extLst>
+          </p:cNvPr>
+          <p:cNvSpPr>
+            <a:spLocks noGrp="1"/>
+          </p:cNvSpPr>
+          <p:nvPr>
+            <p:ph sz="quarter" idx="4"/>
+          </p:nvPr>
+        </p:nvSpPr>
+        <p:spPr/>
+        <p:txBody>
+          <a:bodyPr/>
+          <a:lstStyle/>
+          <a:p>
+            <a:endParaRPr lang="en-US"/>
+          </a:p>
+        </p:txBody>
+      </p:sp>
+      <p:pic>
+        <p:nvPicPr>
+          <p:cNvPr id="15" name="Picture 14">
+            <a:extLst>
+              <a:ext uri="{FF2B5EF4-FFF2-40B4-BE49-F238E27FC236}">
+                <a16:creationId xmlns:a16="http://schemas.microsoft.com/office/drawing/2014/main" id="{76EF18BD-0F63-44D8-89BD-A582389544C4}"/>
+              </a:ext>
+            </a:extLst>
+          </p:cNvPr>
+          <p:cNvPicPr>
+            <a:picLocks noChangeAspect="1"/>
+          </p:cNvPicPr>
+          <p:nvPr/>
+        </p:nvPicPr>
+        <p:blipFill>
+          <a:blip r:embed="rId3"/>
+          <a:stretch>
+            <a:fillRect/>
+          </a:stretch>
+        </p:blipFill>
+        <p:spPr>
+          <a:xfrm>
+            <a:off x="10128730" y="1492739"/>
+            <a:ext cx="1757677" cy="5091723"/>
+          </a:xfrm>
+          <a:prstGeom prst="rect">
+            <a:avLst/>
+          </a:prstGeom>
+        </p:spPr>
+      </p:pic>
+      <p:pic>
+        <p:nvPicPr>
+          <p:cNvPr id="16" name="Picture 15">
+            <a:extLst>
+              <a:ext uri="{FF2B5EF4-FFF2-40B4-BE49-F238E27FC236}">
+                <a16:creationId xmlns:a16="http://schemas.microsoft.com/office/drawing/2014/main" id="{B9B4ADCC-1063-436C-98C5-707C9ED2779C}"/>
+              </a:ext>
+            </a:extLst>
+          </p:cNvPr>
+          <p:cNvPicPr>
+            <a:picLocks noChangeAspect="1"/>
+          </p:cNvPicPr>
+          <p:nvPr/>
+        </p:nvPicPr>
+        <p:blipFill>
+          <a:blip r:embed="rId4"/>
+          <a:stretch>
+            <a:fillRect/>
+          </a:stretch>
+        </p:blipFill>
+        <p:spPr>
+          <a:xfrm>
+            <a:off x="5325970" y="3142614"/>
+            <a:ext cx="4724864" cy="2150325"/>
+          </a:xfrm>
+          <a:prstGeom prst="rect">
+            <a:avLst/>
+          </a:prstGeom>
+        </p:spPr>
+      </p:pic>
+    </p:spTree>
+    <p:extLst>
+      <p:ext uri="{BB962C8B-B14F-4D97-AF65-F5344CB8AC3E}">
+        <p14:creationId xmlns:p14="http://schemas.microsoft.com/office/powerpoint/2010/main" val="3705052584"/>
+      </p:ext>
+    </p:extLst>
+  </p:cSld>
+  <p:clrMapOvr>
+    <a:masterClrMapping/>
+  </p:clrMapOvr>
+</p:sld>
+</file>
+
 <file path=ppt/theme/theme1.xml><?xml version="1.0" encoding="utf-8"?>
 <a:theme xmlns:a="http://schemas.openxmlformats.org/drawingml/2006/main" name="Ion">
   <a:themeElements>
